--- a/ppt/LSV_final_project.pptx
+++ b/ppt/LSV_final_project.pptx
@@ -2,44 +2,44 @@
 <file path=ppt/presentation.xml><?xml version="1.0" encoding="utf-8"?>
 <p:presentation xmlns:a="http://schemas.openxmlformats.org/drawingml/2006/main" xmlns:r="http://schemas.openxmlformats.org/officeDocument/2006/relationships" xmlns:mc="http://schemas.openxmlformats.org/markup-compatibility/2006" xmlns:mv="urn:schemas-microsoft-com:mac:vml" xmlns:p="http://schemas.openxmlformats.org/presentationml/2006/main" xmlns:c="http://schemas.openxmlformats.org/drawingml/2006/chart" xmlns:dgm="http://schemas.openxmlformats.org/drawingml/2006/diagram" xmlns:o="urn:schemas-microsoft-com:office:office" xmlns:v="urn:schemas-microsoft-com:vml" xmlns:pvml="urn:schemas-microsoft-com:office:powerpoint" xmlns:com="http://schemas.openxmlformats.org/drawingml/2006/compatibility" xmlns:p14="http://schemas.microsoft.com/office/powerpoint/2010/main" xmlns:p15="http://schemas.microsoft.com/office/powerpoint/2012/main" xmlns:ahyp="http://schemas.microsoft.com/office/drawing/2018/hyperlinkcolor" autoCompressPictures="0" embedTrueTypeFonts="1" strictFirstAndLastChars="0" saveSubsetFonts="1">
   <p:sldMasterIdLst>
-    <p:sldMasterId id="2147483659" r:id="rId5"/>
+    <p:sldMasterId id="2147483659" r:id="rId4"/>
   </p:sldMasterIdLst>
   <p:notesMasterIdLst>
-    <p:notesMasterId r:id="rId6"/>
+    <p:notesMasterId r:id="rId5"/>
   </p:notesMasterIdLst>
   <p:sldIdLst>
-    <p:sldId id="256" r:id="rId7"/>
-    <p:sldId id="257" r:id="rId8"/>
-    <p:sldId id="258" r:id="rId9"/>
-    <p:sldId id="259" r:id="rId10"/>
-    <p:sldId id="260" r:id="rId11"/>
-    <p:sldId id="261" r:id="rId12"/>
-    <p:sldId id="262" r:id="rId13"/>
-    <p:sldId id="263" r:id="rId14"/>
-    <p:sldId id="264" r:id="rId15"/>
-    <p:sldId id="265" r:id="rId16"/>
-    <p:sldId id="266" r:id="rId17"/>
-    <p:sldId id="267" r:id="rId18"/>
-    <p:sldId id="268" r:id="rId19"/>
-    <p:sldId id="269" r:id="rId20"/>
-    <p:sldId id="270" r:id="rId21"/>
-    <p:sldId id="271" r:id="rId22"/>
-    <p:sldId id="272" r:id="rId23"/>
+    <p:sldId id="256" r:id="rId6"/>
+    <p:sldId id="257" r:id="rId7"/>
+    <p:sldId id="258" r:id="rId8"/>
+    <p:sldId id="259" r:id="rId9"/>
+    <p:sldId id="260" r:id="rId10"/>
+    <p:sldId id="261" r:id="rId11"/>
+    <p:sldId id="262" r:id="rId12"/>
+    <p:sldId id="263" r:id="rId13"/>
+    <p:sldId id="264" r:id="rId14"/>
+    <p:sldId id="265" r:id="rId15"/>
+    <p:sldId id="266" r:id="rId16"/>
+    <p:sldId id="267" r:id="rId17"/>
+    <p:sldId id="268" r:id="rId18"/>
+    <p:sldId id="269" r:id="rId19"/>
+    <p:sldId id="270" r:id="rId20"/>
+    <p:sldId id="271" r:id="rId21"/>
+    <p:sldId id="272" r:id="rId22"/>
   </p:sldIdLst>
   <p:sldSz cy="5143500" cx="9144000"/>
   <p:notesSz cx="6858000" cy="9144000"/>
   <p:embeddedFontLst>
     <p:embeddedFont>
       <p:font typeface="Nunito"/>
-      <p:regular r:id="rId24"/>
-      <p:bold r:id="rId25"/>
-      <p:italic r:id="rId26"/>
-      <p:boldItalic r:id="rId27"/>
+      <p:regular r:id="rId23"/>
+      <p:bold r:id="rId24"/>
+      <p:italic r:id="rId25"/>
+      <p:boldItalic r:id="rId26"/>
     </p:embeddedFont>
     <p:embeddedFont>
       <p:font typeface="Maven Pro"/>
-      <p:regular r:id="rId28"/>
-      <p:bold r:id="rId29"/>
+      <p:regular r:id="rId27"/>
+      <p:bold r:id="rId28"/>
     </p:embeddedFont>
   </p:embeddedFontLst>
   <p:defaultTextStyle>
@@ -17883,7 +17883,7 @@
                 <a:cs typeface="Comic Sans MS"/>
                 <a:sym typeface="Comic Sans MS"/>
               </a:rPr>
-              <a:t>time constraint : 300s, test_size = 100k </a:t>
+              <a:t>time constraint : 3600s, test_size = 100k </a:t>
             </a:r>
             <a:endParaRPr sz="1600">
               <a:latin typeface="Comic Sans MS"/>
@@ -17909,731 +17909,34 @@
           </a:p>
         </p:txBody>
       </p:sp>
-      <p:graphicFrame>
-        <p:nvGraphicFramePr>
+      <p:pic>
+        <p:nvPicPr>
           <p:cNvPr id="445" name="Google Shape;445;p28"/>
-          <p:cNvGraphicFramePr/>
+          <p:cNvPicPr preferRelativeResize="0"/>
           <p:nvPr/>
-        </p:nvGraphicFramePr>
-        <p:xfrm>
-          <a:off x="1396450" y="1973813"/>
-          <a:ext cx="3000000" cy="3000000"/>
-        </p:xfrm>
-        <a:graphic>
-          <a:graphicData uri="http://schemas.openxmlformats.org/drawingml/2006/table">
-            <a:tbl>
-              <a:tblPr>
-                <a:noFill/>
-                <a:tableStyleId>{1E602D36-5A25-4C6D-BAF6-237D8114D92E}</a:tableStyleId>
-              </a:tblPr>
-              <a:tblGrid>
-                <a:gridCol w="3619500"/>
-                <a:gridCol w="3619500"/>
-              </a:tblGrid>
-              <a:tr h="381000">
-                <a:tc>
-                  <a:txBody>
-                    <a:bodyPr/>
-                    <a:lstStyle/>
-                    <a:p>
-                      <a:pPr indent="0" lvl="0" marL="0" rtl="0" algn="l">
-                        <a:spcBef>
-                          <a:spcPts val="0"/>
-                        </a:spcBef>
-                        <a:spcAft>
-                          <a:spcPts val="0"/>
-                        </a:spcAft>
-                        <a:buNone/>
-                      </a:pPr>
-                      <a:r>
-                        <a:rPr lang="zh-TW"/>
-                        <a:t>case (provided by ICCAD)</a:t>
-                      </a:r>
-                      <a:endParaRPr/>
-                    </a:p>
-                  </a:txBody>
-                  <a:tcPr marT="91425" marB="91425" marR="91425" marL="91425"/>
-                </a:tc>
-                <a:tc>
-                  <a:txBody>
-                    <a:bodyPr/>
-                    <a:lstStyle/>
-                    <a:p>
-                      <a:pPr indent="0" lvl="0" marL="0" rtl="0" algn="l">
-                        <a:spcBef>
-                          <a:spcPts val="0"/>
-                        </a:spcBef>
-                        <a:spcAft>
-                          <a:spcPts val="0"/>
-                        </a:spcAft>
-                        <a:buNone/>
-                      </a:pPr>
-                      <a:r>
-                        <a:rPr lang="zh-TW"/>
-                        <a:t>accuracy</a:t>
-                      </a:r>
-                      <a:endParaRPr/>
-                    </a:p>
-                  </a:txBody>
-                  <a:tcPr marT="91425" marB="91425" marR="91425" marL="91425"/>
-                </a:tc>
-              </a:tr>
-              <a:tr h="381000">
-                <a:tc>
-                  <a:txBody>
-                    <a:bodyPr/>
-                    <a:lstStyle/>
-                    <a:p>
-                      <a:pPr indent="0" lvl="0" marL="0" rtl="0" algn="l">
-                        <a:spcBef>
-                          <a:spcPts val="0"/>
-                        </a:spcBef>
-                        <a:spcAft>
-                          <a:spcPts val="0"/>
-                        </a:spcAft>
-                        <a:buNone/>
-                      </a:pPr>
-                      <a:r>
-                        <a:rPr lang="zh-TW"/>
-                        <a:t>1</a:t>
-                      </a:r>
-                      <a:endParaRPr/>
-                    </a:p>
-                  </a:txBody>
-                  <a:tcPr marT="91425" marB="91425" marR="91425" marL="91425"/>
-                </a:tc>
-                <a:tc>
-                  <a:txBody>
-                    <a:bodyPr/>
-                    <a:lstStyle/>
-                    <a:p>
-                      <a:pPr indent="0" lvl="0" marL="0" rtl="0" algn="l">
-                        <a:spcBef>
-                          <a:spcPts val="0"/>
-                        </a:spcBef>
-                        <a:spcAft>
-                          <a:spcPts val="0"/>
-                        </a:spcAft>
-                        <a:buNone/>
-                      </a:pPr>
-                      <a:r>
-                        <a:rPr lang="zh-TW"/>
-                        <a:t>0.999870</a:t>
-                      </a:r>
-                      <a:endParaRPr/>
-                    </a:p>
-                  </a:txBody>
-                  <a:tcPr marT="91425" marB="91425" marR="91425" marL="91425"/>
-                </a:tc>
-              </a:tr>
-              <a:tr h="381000">
-                <a:tc>
-                  <a:txBody>
-                    <a:bodyPr/>
-                    <a:lstStyle/>
-                    <a:p>
-                      <a:pPr indent="0" lvl="0" marL="0" rtl="0" algn="l">
-                        <a:spcBef>
-                          <a:spcPts val="0"/>
-                        </a:spcBef>
-                        <a:spcAft>
-                          <a:spcPts val="0"/>
-                        </a:spcAft>
-                        <a:buNone/>
-                      </a:pPr>
-                      <a:r>
-                        <a:rPr lang="zh-TW"/>
-                        <a:t>3</a:t>
-                      </a:r>
-                      <a:endParaRPr/>
-                    </a:p>
-                  </a:txBody>
-                  <a:tcPr marT="91425" marB="91425" marR="91425" marL="91425"/>
-                </a:tc>
-                <a:tc>
-                  <a:txBody>
-                    <a:bodyPr/>
-                    <a:lstStyle/>
-                    <a:p>
-                      <a:pPr indent="0" lvl="0" marL="0" rtl="0" algn="l">
-                        <a:spcBef>
-                          <a:spcPts val="0"/>
-                        </a:spcBef>
-                        <a:spcAft>
-                          <a:spcPts val="0"/>
-                        </a:spcAft>
-                        <a:buNone/>
-                      </a:pPr>
-                      <a:r>
-                        <a:rPr lang="zh-TW"/>
-                        <a:t>1.000000</a:t>
-                      </a:r>
-                      <a:endParaRPr/>
-                    </a:p>
-                  </a:txBody>
-                  <a:tcPr marT="91425" marB="91425" marR="91425" marL="91425"/>
-                </a:tc>
-              </a:tr>
-              <a:tr h="100000">
-                <a:tc>
-                  <a:txBody>
-                    <a:bodyPr/>
-                    <a:lstStyle/>
-                    <a:p>
-                      <a:pPr indent="0" lvl="0" marL="0" rtl="0" algn="l">
-                        <a:spcBef>
-                          <a:spcPts val="0"/>
-                        </a:spcBef>
-                        <a:spcAft>
-                          <a:spcPts val="0"/>
-                        </a:spcAft>
-                        <a:buNone/>
-                      </a:pPr>
-                      <a:r>
-                        <a:rPr lang="zh-TW"/>
-                        <a:t>4</a:t>
-                      </a:r>
-                      <a:endParaRPr/>
-                    </a:p>
-                  </a:txBody>
-                  <a:tcPr marT="91425" marB="91425" marR="91425" marL="91425">
-                    <a:lnB cap="flat" cmpd="sng" w="9525">
-                      <a:solidFill>
-                        <a:srgbClr val="9E9E9E"/>
-                      </a:solidFill>
-                      <a:prstDash val="solid"/>
-                      <a:round/>
-                      <a:headEnd len="sm" w="sm" type="none"/>
-                      <a:tailEnd len="sm" w="sm" type="none"/>
-                    </a:lnB>
-                  </a:tcPr>
-                </a:tc>
-                <a:tc>
-                  <a:txBody>
-                    <a:bodyPr/>
-                    <a:lstStyle/>
-                    <a:p>
-                      <a:pPr indent="0" lvl="0" marL="0" rtl="0" algn="l">
-                        <a:spcBef>
-                          <a:spcPts val="0"/>
-                        </a:spcBef>
-                        <a:spcAft>
-                          <a:spcPts val="0"/>
-                        </a:spcAft>
-                        <a:buNone/>
-                      </a:pPr>
-                      <a:r>
-                        <a:rPr lang="zh-TW"/>
-                        <a:t>0.999480</a:t>
-                      </a:r>
-                      <a:endParaRPr/>
-                    </a:p>
-                  </a:txBody>
-                  <a:tcPr marT="91425" marB="91425" marR="91425" marL="91425">
-                    <a:lnB cap="flat" cmpd="sng" w="9525">
-                      <a:solidFill>
-                        <a:srgbClr val="9E9E9E"/>
-                      </a:solidFill>
-                      <a:prstDash val="solid"/>
-                      <a:round/>
-                      <a:headEnd len="sm" w="sm" type="none"/>
-                      <a:tailEnd len="sm" w="sm" type="none"/>
-                    </a:lnB>
-                  </a:tcPr>
-                </a:tc>
-              </a:tr>
-              <a:tr h="100000">
-                <a:tc>
-                  <a:txBody>
-                    <a:bodyPr/>
-                    <a:lstStyle/>
-                    <a:p>
-                      <a:pPr indent="0" lvl="0" marL="0" rtl="0" algn="l">
-                        <a:spcBef>
-                          <a:spcPts val="0"/>
-                        </a:spcBef>
-                        <a:spcAft>
-                          <a:spcPts val="0"/>
-                        </a:spcAft>
-                        <a:buNone/>
-                      </a:pPr>
-                      <a:r>
-                        <a:rPr lang="zh-TW"/>
-                        <a:t>5</a:t>
-                      </a:r>
-                      <a:endParaRPr/>
-                    </a:p>
-                  </a:txBody>
-                  <a:tcPr marT="91425" marB="91425" marR="91425" marL="91425">
-                    <a:lnL cap="flat" cmpd="sng" w="9525">
-                      <a:solidFill>
-                        <a:srgbClr val="9E9E9E"/>
-                      </a:solidFill>
-                      <a:prstDash val="solid"/>
-                      <a:round/>
-                      <a:headEnd len="sm" w="sm" type="none"/>
-                      <a:tailEnd len="sm" w="sm" type="none"/>
-                    </a:lnL>
-                    <a:lnR cap="flat" cmpd="sng" w="9525">
-                      <a:solidFill>
-                        <a:srgbClr val="9E9E9E"/>
-                      </a:solidFill>
-                      <a:prstDash val="solid"/>
-                      <a:round/>
-                      <a:headEnd len="sm" w="sm" type="none"/>
-                      <a:tailEnd len="sm" w="sm" type="none"/>
-                    </a:lnR>
-                    <a:lnT cap="flat" cmpd="sng" w="9525">
-                      <a:solidFill>
-                        <a:srgbClr val="9E9E9E"/>
-                      </a:solidFill>
-                      <a:prstDash val="solid"/>
-                      <a:round/>
-                      <a:headEnd len="sm" w="sm" type="none"/>
-                      <a:tailEnd len="sm" w="sm" type="none"/>
-                    </a:lnT>
-                    <a:lnB cap="flat" cmpd="sng" w="9525">
-                      <a:solidFill>
-                        <a:srgbClr val="9E9E9E"/>
-                      </a:solidFill>
-                      <a:prstDash val="solid"/>
-                      <a:round/>
-                      <a:headEnd len="sm" w="sm" type="none"/>
-                      <a:tailEnd len="sm" w="sm" type="none"/>
-                    </a:lnB>
-                  </a:tcPr>
-                </a:tc>
-                <a:tc>
-                  <a:txBody>
-                    <a:bodyPr/>
-                    <a:lstStyle/>
-                    <a:p>
-                      <a:pPr indent="0" lvl="0" marL="0" rtl="0" algn="l">
-                        <a:spcBef>
-                          <a:spcPts val="0"/>
-                        </a:spcBef>
-                        <a:spcAft>
-                          <a:spcPts val="0"/>
-                        </a:spcAft>
-                        <a:buNone/>
-                      </a:pPr>
-                      <a:r>
-                        <a:rPr lang="zh-TW"/>
-                        <a:t>0.984080</a:t>
-                      </a:r>
-                      <a:endParaRPr/>
-                    </a:p>
-                  </a:txBody>
-                  <a:tcPr marT="91425" marB="91425" marR="91425" marL="91425">
-                    <a:lnL cap="flat" cmpd="sng" w="9525">
-                      <a:solidFill>
-                        <a:srgbClr val="9E9E9E"/>
-                      </a:solidFill>
-                      <a:prstDash val="solid"/>
-                      <a:round/>
-                      <a:headEnd len="sm" w="sm" type="none"/>
-                      <a:tailEnd len="sm" w="sm" type="none"/>
-                    </a:lnL>
-                    <a:lnR cap="flat" cmpd="sng" w="9525">
-                      <a:solidFill>
-                        <a:srgbClr val="9E9E9E"/>
-                      </a:solidFill>
-                      <a:prstDash val="solid"/>
-                      <a:round/>
-                      <a:headEnd len="sm" w="sm" type="none"/>
-                      <a:tailEnd len="sm" w="sm" type="none"/>
-                    </a:lnR>
-                    <a:lnT cap="flat" cmpd="sng" w="9525">
-                      <a:solidFill>
-                        <a:srgbClr val="9E9E9E"/>
-                      </a:solidFill>
-                      <a:prstDash val="solid"/>
-                      <a:round/>
-                      <a:headEnd len="sm" w="sm" type="none"/>
-                      <a:tailEnd len="sm" w="sm" type="none"/>
-                    </a:lnT>
-                    <a:lnB cap="flat" cmpd="sng" w="9525">
-                      <a:solidFill>
-                        <a:srgbClr val="9E9E9E"/>
-                      </a:solidFill>
-                      <a:prstDash val="solid"/>
-                      <a:round/>
-                      <a:headEnd len="sm" w="sm" type="none"/>
-                      <a:tailEnd len="sm" w="sm" type="none"/>
-                    </a:lnB>
-                  </a:tcPr>
-                </a:tc>
-              </a:tr>
-              <a:tr h="381000">
-                <a:tc>
-                  <a:txBody>
-                    <a:bodyPr/>
-                    <a:lstStyle/>
-                    <a:p>
-                      <a:pPr indent="0" lvl="0" marL="0" rtl="0" algn="l">
-                        <a:spcBef>
-                          <a:spcPts val="0"/>
-                        </a:spcBef>
-                        <a:spcAft>
-                          <a:spcPts val="0"/>
-                        </a:spcAft>
-                        <a:buNone/>
-                      </a:pPr>
-                      <a:r>
-                        <a:rPr lang="zh-TW"/>
-                        <a:t>10</a:t>
-                      </a:r>
-                      <a:endParaRPr b="1"/>
-                    </a:p>
-                  </a:txBody>
-                  <a:tcPr marT="91425" marB="91425" marR="91425" marL="91425">
-                    <a:lnL cap="flat" cmpd="sng" w="9525">
-                      <a:solidFill>
-                        <a:srgbClr val="9E9E9E"/>
-                      </a:solidFill>
-                      <a:prstDash val="solid"/>
-                      <a:round/>
-                      <a:headEnd len="sm" w="sm" type="none"/>
-                      <a:tailEnd len="sm" w="sm" type="none"/>
-                    </a:lnL>
-                    <a:lnR cap="flat" cmpd="sng" w="9525">
-                      <a:solidFill>
-                        <a:srgbClr val="9E9E9E"/>
-                      </a:solidFill>
-                      <a:prstDash val="solid"/>
-                      <a:round/>
-                      <a:headEnd len="sm" w="sm" type="none"/>
-                      <a:tailEnd len="sm" w="sm" type="none"/>
-                    </a:lnR>
-                    <a:lnT cap="flat" cmpd="sng" w="9525">
-                      <a:solidFill>
-                        <a:srgbClr val="9E9E9E"/>
-                      </a:solidFill>
-                      <a:prstDash val="solid"/>
-                      <a:round/>
-                      <a:headEnd len="sm" w="sm" type="none"/>
-                      <a:tailEnd len="sm" w="sm" type="none"/>
-                    </a:lnT>
-                    <a:lnB cap="flat" cmpd="sng" w="9525">
-                      <a:solidFill>
-                        <a:srgbClr val="9E9E9E"/>
-                      </a:solidFill>
-                      <a:prstDash val="solid"/>
-                      <a:round/>
-                      <a:headEnd len="sm" w="sm" type="none"/>
-                      <a:tailEnd len="sm" w="sm" type="none"/>
-                    </a:lnB>
-                  </a:tcPr>
-                </a:tc>
-                <a:tc>
-                  <a:txBody>
-                    <a:bodyPr/>
-                    <a:lstStyle/>
-                    <a:p>
-                      <a:pPr indent="0" lvl="0" marL="0" rtl="0" algn="l">
-                        <a:spcBef>
-                          <a:spcPts val="0"/>
-                        </a:spcBef>
-                        <a:spcAft>
-                          <a:spcPts val="0"/>
-                        </a:spcAft>
-                        <a:buNone/>
-                      </a:pPr>
-                      <a:r>
-                        <a:rPr lang="zh-TW"/>
-                        <a:t>0.885520</a:t>
-                      </a:r>
-                      <a:endParaRPr b="1"/>
-                    </a:p>
-                  </a:txBody>
-                  <a:tcPr marT="91425" marB="91425" marR="91425" marL="91425">
-                    <a:lnL cap="flat" cmpd="sng" w="9525">
-                      <a:solidFill>
-                        <a:srgbClr val="9E9E9E"/>
-                      </a:solidFill>
-                      <a:prstDash val="solid"/>
-                      <a:round/>
-                      <a:headEnd len="sm" w="sm" type="none"/>
-                      <a:tailEnd len="sm" w="sm" type="none"/>
-                    </a:lnL>
-                    <a:lnR cap="flat" cmpd="sng" w="9525">
-                      <a:solidFill>
-                        <a:srgbClr val="9E9E9E"/>
-                      </a:solidFill>
-                      <a:prstDash val="solid"/>
-                      <a:round/>
-                      <a:headEnd len="sm" w="sm" type="none"/>
-                      <a:tailEnd len="sm" w="sm" type="none"/>
-                    </a:lnR>
-                    <a:lnT cap="flat" cmpd="sng" w="9525">
-                      <a:solidFill>
-                        <a:srgbClr val="9E9E9E"/>
-                      </a:solidFill>
-                      <a:prstDash val="solid"/>
-                      <a:round/>
-                      <a:headEnd len="sm" w="sm" type="none"/>
-                      <a:tailEnd len="sm" w="sm" type="none"/>
-                    </a:lnT>
-                    <a:lnB cap="flat" cmpd="sng" w="9525">
-                      <a:solidFill>
-                        <a:srgbClr val="9E9E9E"/>
-                      </a:solidFill>
-                      <a:prstDash val="solid"/>
-                      <a:round/>
-                      <a:headEnd len="sm" w="sm" type="none"/>
-                      <a:tailEnd len="sm" w="sm" type="none"/>
-                    </a:lnB>
-                  </a:tcPr>
-                </a:tc>
-              </a:tr>
-              <a:tr h="381000">
-                <a:tc>
-                  <a:txBody>
-                    <a:bodyPr/>
-                    <a:lstStyle/>
-                    <a:p>
-                      <a:pPr indent="0" lvl="0" marL="0" rtl="0" algn="l">
-                        <a:spcBef>
-                          <a:spcPts val="0"/>
-                        </a:spcBef>
-                        <a:spcAft>
-                          <a:spcPts val="0"/>
-                        </a:spcAft>
-                        <a:buNone/>
-                      </a:pPr>
-                      <a:r>
-                        <a:rPr lang="zh-TW"/>
-                        <a:t>13</a:t>
-                      </a:r>
-                      <a:endParaRPr b="1"/>
-                    </a:p>
-                  </a:txBody>
-                  <a:tcPr marT="91425" marB="91425" marR="91425" marL="91425">
-                    <a:lnL cap="flat" cmpd="sng" w="9525">
-                      <a:solidFill>
-                        <a:srgbClr val="9E9E9E"/>
-                      </a:solidFill>
-                      <a:prstDash val="solid"/>
-                      <a:round/>
-                      <a:headEnd len="sm" w="sm" type="none"/>
-                      <a:tailEnd len="sm" w="sm" type="none"/>
-                    </a:lnL>
-                    <a:lnR cap="flat" cmpd="sng" w="9525">
-                      <a:solidFill>
-                        <a:srgbClr val="9E9E9E"/>
-                      </a:solidFill>
-                      <a:prstDash val="solid"/>
-                      <a:round/>
-                      <a:headEnd len="sm" w="sm" type="none"/>
-                      <a:tailEnd len="sm" w="sm" type="none"/>
-                    </a:lnR>
-                    <a:lnT cap="flat" cmpd="sng" w="9525">
-                      <a:solidFill>
-                        <a:srgbClr val="9E9E9E"/>
-                      </a:solidFill>
-                      <a:prstDash val="solid"/>
-                      <a:round/>
-                      <a:headEnd len="sm" w="sm" type="none"/>
-                      <a:tailEnd len="sm" w="sm" type="none"/>
-                    </a:lnT>
-                    <a:lnB cap="flat" cmpd="sng" w="9525">
-                      <a:solidFill>
-                        <a:srgbClr val="9E9E9E"/>
-                      </a:solidFill>
-                      <a:prstDash val="solid"/>
-                      <a:round/>
-                      <a:headEnd len="sm" w="sm" type="none"/>
-                      <a:tailEnd len="sm" w="sm" type="none"/>
-                    </a:lnB>
-                  </a:tcPr>
-                </a:tc>
-                <a:tc>
-                  <a:txBody>
-                    <a:bodyPr/>
-                    <a:lstStyle/>
-                    <a:p>
-                      <a:pPr indent="0" lvl="0" marL="0" rtl="0" algn="l">
-                        <a:spcBef>
-                          <a:spcPts val="0"/>
-                        </a:spcBef>
-                        <a:spcAft>
-                          <a:spcPts val="0"/>
-                        </a:spcAft>
-                        <a:buNone/>
-                      </a:pPr>
-                      <a:r>
-                        <a:rPr lang="zh-TW"/>
-                        <a:t>1.000000</a:t>
-                      </a:r>
-                      <a:endParaRPr b="1"/>
-                    </a:p>
-                  </a:txBody>
-                  <a:tcPr marT="91425" marB="91425" marR="91425" marL="91425">
-                    <a:lnL cap="flat" cmpd="sng" w="9525">
-                      <a:solidFill>
-                        <a:srgbClr val="9E9E9E"/>
-                      </a:solidFill>
-                      <a:prstDash val="solid"/>
-                      <a:round/>
-                      <a:headEnd len="sm" w="sm" type="none"/>
-                      <a:tailEnd len="sm" w="sm" type="none"/>
-                    </a:lnL>
-                    <a:lnR cap="flat" cmpd="sng" w="9525">
-                      <a:solidFill>
-                        <a:srgbClr val="9E9E9E"/>
-                      </a:solidFill>
-                      <a:prstDash val="solid"/>
-                      <a:round/>
-                      <a:headEnd len="sm" w="sm" type="none"/>
-                      <a:tailEnd len="sm" w="sm" type="none"/>
-                    </a:lnR>
-                    <a:lnT cap="flat" cmpd="sng" w="9525">
-                      <a:solidFill>
-                        <a:srgbClr val="9E9E9E"/>
-                      </a:solidFill>
-                      <a:prstDash val="solid"/>
-                      <a:round/>
-                      <a:headEnd len="sm" w="sm" type="none"/>
-                      <a:tailEnd len="sm" w="sm" type="none"/>
-                    </a:lnT>
-                    <a:lnB cap="flat" cmpd="sng" w="9525">
-                      <a:solidFill>
-                        <a:srgbClr val="9E9E9E"/>
-                      </a:solidFill>
-                      <a:prstDash val="solid"/>
-                      <a:round/>
-                      <a:headEnd len="sm" w="sm" type="none"/>
-                      <a:tailEnd len="sm" w="sm" type="none"/>
-                    </a:lnB>
-                  </a:tcPr>
-                </a:tc>
-              </a:tr>
-              <a:tr h="381000">
-                <a:tc>
-                  <a:txBody>
-                    <a:bodyPr/>
-                    <a:lstStyle/>
-                    <a:p>
-                      <a:pPr indent="0" lvl="0" marL="0" rtl="0" algn="l">
-                        <a:spcBef>
-                          <a:spcPts val="0"/>
-                        </a:spcBef>
-                        <a:spcAft>
-                          <a:spcPts val="0"/>
-                        </a:spcAft>
-                        <a:buNone/>
-                      </a:pPr>
-                      <a:r>
-                        <a:rPr lang="zh-TW"/>
-                        <a:t>16</a:t>
-                      </a:r>
-                      <a:endParaRPr b="1"/>
-                    </a:p>
-                  </a:txBody>
-                  <a:tcPr marT="91425" marB="91425" marR="91425" marL="91425">
-                    <a:lnL cap="flat" cmpd="sng" w="9525">
-                      <a:solidFill>
-                        <a:srgbClr val="9E9E9E"/>
-                      </a:solidFill>
-                      <a:prstDash val="solid"/>
-                      <a:round/>
-                      <a:headEnd len="sm" w="sm" type="none"/>
-                      <a:tailEnd len="sm" w="sm" type="none"/>
-                    </a:lnL>
-                    <a:lnR cap="flat" cmpd="sng" w="9525">
-                      <a:solidFill>
-                        <a:srgbClr val="9E9E9E"/>
-                      </a:solidFill>
-                      <a:prstDash val="solid"/>
-                      <a:round/>
-                      <a:headEnd len="sm" w="sm" type="none"/>
-                      <a:tailEnd len="sm" w="sm" type="none"/>
-                    </a:lnR>
-                    <a:lnT cap="flat" cmpd="sng" w="9525">
-                      <a:solidFill>
-                        <a:srgbClr val="9E9E9E"/>
-                      </a:solidFill>
-                      <a:prstDash val="solid"/>
-                      <a:round/>
-                      <a:headEnd len="sm" w="sm" type="none"/>
-                      <a:tailEnd len="sm" w="sm" type="none"/>
-                    </a:lnT>
-                    <a:lnB cap="flat" cmpd="sng" w="9525">
-                      <a:solidFill>
-                        <a:srgbClr val="9E9E9E"/>
-                      </a:solidFill>
-                      <a:prstDash val="solid"/>
-                      <a:round/>
-                      <a:headEnd len="sm" w="sm" type="none"/>
-                      <a:tailEnd len="sm" w="sm" type="none"/>
-                    </a:lnB>
-                  </a:tcPr>
-                </a:tc>
-                <a:tc>
-                  <a:txBody>
-                    <a:bodyPr/>
-                    <a:lstStyle/>
-                    <a:p>
-                      <a:pPr indent="0" lvl="0" marL="0" rtl="0" algn="l">
-                        <a:spcBef>
-                          <a:spcPts val="0"/>
-                        </a:spcBef>
-                        <a:spcAft>
-                          <a:spcPts val="0"/>
-                        </a:spcAft>
-                        <a:buNone/>
-                      </a:pPr>
-                      <a:r>
-                        <a:rPr lang="zh-TW"/>
-                        <a:t>1.000000</a:t>
-                      </a:r>
-                      <a:endParaRPr b="1"/>
-                    </a:p>
-                  </a:txBody>
-                  <a:tcPr marT="91425" marB="91425" marR="91425" marL="91425">
-                    <a:lnL cap="flat" cmpd="sng" w="9525">
-                      <a:solidFill>
-                        <a:srgbClr val="9E9E9E"/>
-                      </a:solidFill>
-                      <a:prstDash val="solid"/>
-                      <a:round/>
-                      <a:headEnd len="sm" w="sm" type="none"/>
-                      <a:tailEnd len="sm" w="sm" type="none"/>
-                    </a:lnL>
-                    <a:lnR cap="flat" cmpd="sng" w="9525">
-                      <a:solidFill>
-                        <a:srgbClr val="9E9E9E"/>
-                      </a:solidFill>
-                      <a:prstDash val="solid"/>
-                      <a:round/>
-                      <a:headEnd len="sm" w="sm" type="none"/>
-                      <a:tailEnd len="sm" w="sm" type="none"/>
-                    </a:lnR>
-                    <a:lnT cap="flat" cmpd="sng" w="9525">
-                      <a:solidFill>
-                        <a:srgbClr val="9E9E9E"/>
-                      </a:solidFill>
-                      <a:prstDash val="solid"/>
-                      <a:round/>
-                      <a:headEnd len="sm" w="sm" type="none"/>
-                      <a:tailEnd len="sm" w="sm" type="none"/>
-                    </a:lnT>
-                    <a:lnB cap="flat" cmpd="sng" w="9525">
-                      <a:solidFill>
-                        <a:srgbClr val="9E9E9E"/>
-                      </a:solidFill>
-                      <a:prstDash val="solid"/>
-                      <a:round/>
-                      <a:headEnd len="sm" w="sm" type="none"/>
-                      <a:tailEnd len="sm" w="sm" type="none"/>
-                    </a:lnB>
-                  </a:tcPr>
-                </a:tc>
-              </a:tr>
-            </a:tbl>
-          </a:graphicData>
-        </a:graphic>
-      </p:graphicFrame>
+        </p:nvPicPr>
+        <p:blipFill>
+          <a:blip r:embed="rId3">
+            <a:alphaModFix/>
+          </a:blip>
+          <a:stretch>
+            <a:fillRect/>
+          </a:stretch>
+        </p:blipFill>
+        <p:spPr>
+          <a:xfrm>
+            <a:off x="2296199" y="1830375"/>
+            <a:ext cx="4311425" cy="3313125"/>
+          </a:xfrm>
+          <a:prstGeom prst="rect">
+            <a:avLst/>
+          </a:prstGeom>
+          <a:noFill/>
+          <a:ln>
+            <a:noFill/>
+          </a:ln>
+        </p:spPr>
+      </p:pic>
     </p:spTree>
   </p:cSld>
   <p:clrMapOvr>
@@ -23626,6 +22929,285 @@
 </file>
 
 <file path=ppt/theme/theme1.xml><?xml version="1.0" encoding="utf-8"?>
+<a:theme xmlns:a="http://schemas.openxmlformats.org/drawingml/2006/main" xmlns:r="http://schemas.openxmlformats.org/officeDocument/2006/relationships" name="Momentum">
+  <a:themeElements>
+    <a:clrScheme name="Momentum">
+      <a:dk1>
+        <a:srgbClr val="C0791B"/>
+      </a:dk1>
+      <a:lt1>
+        <a:srgbClr val="FFFFFF"/>
+      </a:lt1>
+      <a:dk2>
+        <a:srgbClr val="424242"/>
+      </a:dk2>
+      <a:lt2>
+        <a:srgbClr val="8DD8D3"/>
+      </a:lt2>
+      <a:accent1>
+        <a:srgbClr val="0B6374"/>
+      </a:accent1>
+      <a:accent2>
+        <a:srgbClr val="FD5B58"/>
+      </a:accent2>
+      <a:accent3>
+        <a:srgbClr val="599191"/>
+      </a:accent3>
+      <a:accent4>
+        <a:srgbClr val="D7E6A3"/>
+      </a:accent4>
+      <a:accent5>
+        <a:srgbClr val="27278B"/>
+      </a:accent5>
+      <a:accent6>
+        <a:srgbClr val="D558AB"/>
+      </a:accent6>
+      <a:hlink>
+        <a:srgbClr val="27278B"/>
+      </a:hlink>
+      <a:folHlink>
+        <a:srgbClr val="27278B"/>
+      </a:folHlink>
+    </a:clrScheme>
+    <a:fontScheme name="Office">
+      <a:majorFont>
+        <a:latin typeface="Arial"/>
+        <a:ea typeface=""/>
+        <a:cs typeface=""/>
+        <a:font script="Jpan" typeface="ＭＳ Ｐゴシック"/>
+        <a:font script="Hang" typeface="맑은 고딕"/>
+        <a:font script="Hans" typeface="宋体"/>
+        <a:font script="Hant" typeface="新細明體"/>
+        <a:font script="Arab" typeface="Times New Roman"/>
+        <a:font script="Hebr" typeface="Times New Roman"/>
+        <a:font script="Thai" typeface="Angsana New"/>
+        <a:font script="Ethi" typeface="Nyala"/>
+        <a:font script="Beng" typeface="Vrinda"/>
+        <a:font script="Gujr" typeface="Shruti"/>
+        <a:font script="Khmr" typeface="MoolBoran"/>
+        <a:font script="Knda" typeface="Tunga"/>
+        <a:font script="Guru" typeface="Raavi"/>
+        <a:font script="Cans" typeface="Euphemia"/>
+        <a:font script="Cher" typeface="Plantagenet Cherokee"/>
+        <a:font script="Yiii" typeface="Microsoft Yi Baiti"/>
+        <a:font script="Tibt" typeface="Microsoft Himalaya"/>
+        <a:font script="Thaa" typeface="MV Boli"/>
+        <a:font script="Deva" typeface="Mangal"/>
+        <a:font script="Telu" typeface="Gautami"/>
+        <a:font script="Taml" typeface="Latha"/>
+        <a:font script="Syrc" typeface="Estrangelo Edessa"/>
+        <a:font script="Orya" typeface="Kalinga"/>
+        <a:font script="Mlym" typeface="Kartika"/>
+        <a:font script="Laoo" typeface="DokChampa"/>
+        <a:font script="Sinh" typeface="Iskoola Pota"/>
+        <a:font script="Mong" typeface="Mongolian Baiti"/>
+        <a:font script="Viet" typeface="Times New Roman"/>
+        <a:font script="Uigh" typeface="Microsoft Uighur"/>
+        <a:font script="Geor" typeface="Sylfaen"/>
+      </a:majorFont>
+      <a:minorFont>
+        <a:latin typeface="Arial"/>
+        <a:ea typeface=""/>
+        <a:cs typeface=""/>
+        <a:font script="Jpan" typeface="ＭＳ Ｐゴシック"/>
+        <a:font script="Hang" typeface="맑은 고딕"/>
+        <a:font script="Hans" typeface="宋体"/>
+        <a:font script="Hant" typeface="新細明體"/>
+        <a:font script="Arab" typeface="Arial"/>
+        <a:font script="Hebr" typeface="Arial"/>
+        <a:font script="Thai" typeface="Cordia New"/>
+        <a:font script="Ethi" typeface="Nyala"/>
+        <a:font script="Beng" typeface="Vrinda"/>
+        <a:font script="Gujr" typeface="Shruti"/>
+        <a:font script="Khmr" typeface="DaunPenh"/>
+        <a:font script="Knda" typeface="Tunga"/>
+        <a:font script="Guru" typeface="Raavi"/>
+        <a:font script="Cans" typeface="Euphemia"/>
+        <a:font script="Cher" typeface="Plantagenet Cherokee"/>
+        <a:font script="Yiii" typeface="Microsoft Yi Baiti"/>
+        <a:font script="Tibt" typeface="Microsoft Himalaya"/>
+        <a:font script="Thaa" typeface="MV Boli"/>
+        <a:font script="Deva" typeface="Mangal"/>
+        <a:font script="Telu" typeface="Gautami"/>
+        <a:font script="Taml" typeface="Latha"/>
+        <a:font script="Syrc" typeface="Estrangelo Edessa"/>
+        <a:font script="Orya" typeface="Kalinga"/>
+        <a:font script="Mlym" typeface="Kartika"/>
+        <a:font script="Laoo" typeface="DokChampa"/>
+        <a:font script="Sinh" typeface="Iskoola Pota"/>
+        <a:font script="Mong" typeface="Mongolian Baiti"/>
+        <a:font script="Viet" typeface="Arial"/>
+        <a:font script="Uigh" typeface="Microsoft Uighur"/>
+        <a:font script="Geor" typeface="Sylfaen"/>
+      </a:minorFont>
+    </a:fontScheme>
+    <a:fmtScheme name="Office">
+      <a:fillStyleLst>
+        <a:solidFill>
+          <a:schemeClr val="phClr"/>
+        </a:solidFill>
+        <a:gradFill rotWithShape="1">
+          <a:gsLst>
+            <a:gs pos="0">
+              <a:schemeClr val="phClr">
+                <a:tint val="50000"/>
+                <a:satMod val="300000"/>
+              </a:schemeClr>
+            </a:gs>
+            <a:gs pos="35000">
+              <a:schemeClr val="phClr">
+                <a:tint val="37000"/>
+                <a:satMod val="300000"/>
+              </a:schemeClr>
+            </a:gs>
+            <a:gs pos="100000">
+              <a:schemeClr val="phClr">
+                <a:tint val="15000"/>
+                <a:satMod val="350000"/>
+              </a:schemeClr>
+            </a:gs>
+          </a:gsLst>
+          <a:lin ang="16200000" scaled="1"/>
+        </a:gradFill>
+        <a:gradFill rotWithShape="1">
+          <a:gsLst>
+            <a:gs pos="0">
+              <a:schemeClr val="phClr">
+                <a:tint val="100000"/>
+                <a:shade val="100000"/>
+                <a:satMod val="130000"/>
+              </a:schemeClr>
+            </a:gs>
+            <a:gs pos="100000">
+              <a:schemeClr val="phClr">
+                <a:tint val="50000"/>
+                <a:shade val="100000"/>
+                <a:satMod val="350000"/>
+              </a:schemeClr>
+            </a:gs>
+          </a:gsLst>
+          <a:lin ang="16200000" scaled="0"/>
+        </a:gradFill>
+      </a:fillStyleLst>
+      <a:lnStyleLst>
+        <a:ln w="9525" cap="flat" cmpd="sng" algn="ctr">
+          <a:solidFill>
+            <a:schemeClr val="phClr">
+              <a:shade val="95000"/>
+              <a:satMod val="105000"/>
+            </a:schemeClr>
+          </a:solidFill>
+          <a:prstDash val="solid"/>
+        </a:ln>
+        <a:ln w="25400" cap="flat" cmpd="sng" algn="ctr">
+          <a:solidFill>
+            <a:schemeClr val="phClr"/>
+          </a:solidFill>
+          <a:prstDash val="solid"/>
+        </a:ln>
+        <a:ln w="38100" cap="flat" cmpd="sng" algn="ctr">
+          <a:solidFill>
+            <a:schemeClr val="phClr"/>
+          </a:solidFill>
+          <a:prstDash val="solid"/>
+        </a:ln>
+      </a:lnStyleLst>
+      <a:effectStyleLst>
+        <a:effectStyle>
+          <a:effectLst>
+            <a:outerShdw blurRad="40000" dist="20000" dir="5400000" rotWithShape="0">
+              <a:srgbClr val="000000">
+                <a:alpha val="38000"/>
+              </a:srgbClr>
+            </a:outerShdw>
+          </a:effectLst>
+        </a:effectStyle>
+        <a:effectStyle>
+          <a:effectLst>
+            <a:outerShdw blurRad="40000" dist="23000" dir="5400000" rotWithShape="0">
+              <a:srgbClr val="000000">
+                <a:alpha val="35000"/>
+              </a:srgbClr>
+            </a:outerShdw>
+          </a:effectLst>
+        </a:effectStyle>
+        <a:effectStyle>
+          <a:effectLst>
+            <a:outerShdw blurRad="40000" dist="23000" dir="5400000" rotWithShape="0">
+              <a:srgbClr val="000000">
+                <a:alpha val="35000"/>
+              </a:srgbClr>
+            </a:outerShdw>
+          </a:effectLst>
+          <a:scene3d>
+            <a:camera prst="orthographicFront">
+              <a:rot lat="0" lon="0" rev="0"/>
+            </a:camera>
+            <a:lightRig rig="threePt" dir="t">
+              <a:rot lat="0" lon="0" rev="1200000"/>
+            </a:lightRig>
+          </a:scene3d>
+          <a:sp3d>
+            <a:bevelT w="63500" h="25400"/>
+          </a:sp3d>
+        </a:effectStyle>
+      </a:effectStyleLst>
+      <a:bgFillStyleLst>
+        <a:solidFill>
+          <a:schemeClr val="phClr"/>
+        </a:solidFill>
+        <a:gradFill rotWithShape="1">
+          <a:gsLst>
+            <a:gs pos="0">
+              <a:schemeClr val="phClr">
+                <a:tint val="40000"/>
+                <a:satMod val="350000"/>
+              </a:schemeClr>
+            </a:gs>
+            <a:gs pos="40000">
+              <a:schemeClr val="phClr">
+                <a:tint val="45000"/>
+                <a:shade val="99000"/>
+                <a:satMod val="350000"/>
+              </a:schemeClr>
+            </a:gs>
+            <a:gs pos="100000">
+              <a:schemeClr val="phClr">
+                <a:shade val="20000"/>
+                <a:satMod val="255000"/>
+              </a:schemeClr>
+            </a:gs>
+          </a:gsLst>
+          <a:path path="circle">
+            <a:fillToRect l="50000" t="-80000" r="50000" b="180000"/>
+          </a:path>
+        </a:gradFill>
+        <a:gradFill rotWithShape="1">
+          <a:gsLst>
+            <a:gs pos="0">
+              <a:schemeClr val="phClr">
+                <a:tint val="80000"/>
+                <a:satMod val="300000"/>
+              </a:schemeClr>
+            </a:gs>
+            <a:gs pos="100000">
+              <a:schemeClr val="phClr">
+                <a:shade val="30000"/>
+                <a:satMod val="200000"/>
+              </a:schemeClr>
+            </a:gs>
+          </a:gsLst>
+          <a:path path="circle">
+            <a:fillToRect l="50000" t="50000" r="50000" b="50000"/>
+          </a:path>
+        </a:gradFill>
+      </a:bgFillStyleLst>
+    </a:fmtScheme>
+  </a:themeElements>
+</a:theme>
+</file>
+
+<file path=ppt/theme/theme2.xml><?xml version="1.0" encoding="utf-8"?>
 <a:theme xmlns:a="http://schemas.openxmlformats.org/drawingml/2006/main" xmlns:r="http://schemas.openxmlformats.org/officeDocument/2006/relationships">
   <a:themeElements>
     <a:clrScheme name="Default">
@@ -23902,283 +23484,4 @@
     </a:fmtScheme>
   </a:themeElements>
 </a:theme>
-</file>
-
-<file path=ppt/theme/theme2.xml><?xml version="1.0" encoding="utf-8"?>
-<a:theme xmlns:a="http://schemas.openxmlformats.org/drawingml/2006/main" xmlns:r="http://schemas.openxmlformats.org/officeDocument/2006/relationships" name="Momentum">
-  <a:themeElements>
-    <a:clrScheme name="Momentum">
-      <a:dk1>
-        <a:srgbClr val="C0791B"/>
-      </a:dk1>
-      <a:lt1>
-        <a:srgbClr val="FFFFFF"/>
-      </a:lt1>
-      <a:dk2>
-        <a:srgbClr val="424242"/>
-      </a:dk2>
-      <a:lt2>
-        <a:srgbClr val="8DD8D3"/>
-      </a:lt2>
-      <a:accent1>
-        <a:srgbClr val="0B6374"/>
-      </a:accent1>
-      <a:accent2>
-        <a:srgbClr val="FD5B58"/>
-      </a:accent2>
-      <a:accent3>
-        <a:srgbClr val="599191"/>
-      </a:accent3>
-      <a:accent4>
-        <a:srgbClr val="D7E6A3"/>
-      </a:accent4>
-      <a:accent5>
-        <a:srgbClr val="27278B"/>
-      </a:accent5>
-      <a:accent6>
-        <a:srgbClr val="D558AB"/>
-      </a:accent6>
-      <a:hlink>
-        <a:srgbClr val="27278B"/>
-      </a:hlink>
-      <a:folHlink>
-        <a:srgbClr val="27278B"/>
-      </a:folHlink>
-    </a:clrScheme>
-    <a:fontScheme name="Office">
-      <a:majorFont>
-        <a:latin typeface="Arial"/>
-        <a:ea typeface=""/>
-        <a:cs typeface=""/>
-        <a:font script="Jpan" typeface="ＭＳ Ｐゴシック"/>
-        <a:font script="Hang" typeface="맑은 고딕"/>
-        <a:font script="Hans" typeface="宋体"/>
-        <a:font script="Hant" typeface="新細明體"/>
-        <a:font script="Arab" typeface="Times New Roman"/>
-        <a:font script="Hebr" typeface="Times New Roman"/>
-        <a:font script="Thai" typeface="Angsana New"/>
-        <a:font script="Ethi" typeface="Nyala"/>
-        <a:font script="Beng" typeface="Vrinda"/>
-        <a:font script="Gujr" typeface="Shruti"/>
-        <a:font script="Khmr" typeface="MoolBoran"/>
-        <a:font script="Knda" typeface="Tunga"/>
-        <a:font script="Guru" typeface="Raavi"/>
-        <a:font script="Cans" typeface="Euphemia"/>
-        <a:font script="Cher" typeface="Plantagenet Cherokee"/>
-        <a:font script="Yiii" typeface="Microsoft Yi Baiti"/>
-        <a:font script="Tibt" typeface="Microsoft Himalaya"/>
-        <a:font script="Thaa" typeface="MV Boli"/>
-        <a:font script="Deva" typeface="Mangal"/>
-        <a:font script="Telu" typeface="Gautami"/>
-        <a:font script="Taml" typeface="Latha"/>
-        <a:font script="Syrc" typeface="Estrangelo Edessa"/>
-        <a:font script="Orya" typeface="Kalinga"/>
-        <a:font script="Mlym" typeface="Kartika"/>
-        <a:font script="Laoo" typeface="DokChampa"/>
-        <a:font script="Sinh" typeface="Iskoola Pota"/>
-        <a:font script="Mong" typeface="Mongolian Baiti"/>
-        <a:font script="Viet" typeface="Times New Roman"/>
-        <a:font script="Uigh" typeface="Microsoft Uighur"/>
-        <a:font script="Geor" typeface="Sylfaen"/>
-      </a:majorFont>
-      <a:minorFont>
-        <a:latin typeface="Arial"/>
-        <a:ea typeface=""/>
-        <a:cs typeface=""/>
-        <a:font script="Jpan" typeface="ＭＳ Ｐゴシック"/>
-        <a:font script="Hang" typeface="맑은 고딕"/>
-        <a:font script="Hans" typeface="宋体"/>
-        <a:font script="Hant" typeface="新細明體"/>
-        <a:font script="Arab" typeface="Arial"/>
-        <a:font script="Hebr" typeface="Arial"/>
-        <a:font script="Thai" typeface="Cordia New"/>
-        <a:font script="Ethi" typeface="Nyala"/>
-        <a:font script="Beng" typeface="Vrinda"/>
-        <a:font script="Gujr" typeface="Shruti"/>
-        <a:font script="Khmr" typeface="DaunPenh"/>
-        <a:font script="Knda" typeface="Tunga"/>
-        <a:font script="Guru" typeface="Raavi"/>
-        <a:font script="Cans" typeface="Euphemia"/>
-        <a:font script="Cher" typeface="Plantagenet Cherokee"/>
-        <a:font script="Yiii" typeface="Microsoft Yi Baiti"/>
-        <a:font script="Tibt" typeface="Microsoft Himalaya"/>
-        <a:font script="Thaa" typeface="MV Boli"/>
-        <a:font script="Deva" typeface="Mangal"/>
-        <a:font script="Telu" typeface="Gautami"/>
-        <a:font script="Taml" typeface="Latha"/>
-        <a:font script="Syrc" typeface="Estrangelo Edessa"/>
-        <a:font script="Orya" typeface="Kalinga"/>
-        <a:font script="Mlym" typeface="Kartika"/>
-        <a:font script="Laoo" typeface="DokChampa"/>
-        <a:font script="Sinh" typeface="Iskoola Pota"/>
-        <a:font script="Mong" typeface="Mongolian Baiti"/>
-        <a:font script="Viet" typeface="Arial"/>
-        <a:font script="Uigh" typeface="Microsoft Uighur"/>
-        <a:font script="Geor" typeface="Sylfaen"/>
-      </a:minorFont>
-    </a:fontScheme>
-    <a:fmtScheme name="Office">
-      <a:fillStyleLst>
-        <a:solidFill>
-          <a:schemeClr val="phClr"/>
-        </a:solidFill>
-        <a:gradFill rotWithShape="1">
-          <a:gsLst>
-            <a:gs pos="0">
-              <a:schemeClr val="phClr">
-                <a:tint val="50000"/>
-                <a:satMod val="300000"/>
-              </a:schemeClr>
-            </a:gs>
-            <a:gs pos="35000">
-              <a:schemeClr val="phClr">
-                <a:tint val="37000"/>
-                <a:satMod val="300000"/>
-              </a:schemeClr>
-            </a:gs>
-            <a:gs pos="100000">
-              <a:schemeClr val="phClr">
-                <a:tint val="15000"/>
-                <a:satMod val="350000"/>
-              </a:schemeClr>
-            </a:gs>
-          </a:gsLst>
-          <a:lin ang="16200000" scaled="1"/>
-        </a:gradFill>
-        <a:gradFill rotWithShape="1">
-          <a:gsLst>
-            <a:gs pos="0">
-              <a:schemeClr val="phClr">
-                <a:tint val="100000"/>
-                <a:shade val="100000"/>
-                <a:satMod val="130000"/>
-              </a:schemeClr>
-            </a:gs>
-            <a:gs pos="100000">
-              <a:schemeClr val="phClr">
-                <a:tint val="50000"/>
-                <a:shade val="100000"/>
-                <a:satMod val="350000"/>
-              </a:schemeClr>
-            </a:gs>
-          </a:gsLst>
-          <a:lin ang="16200000" scaled="0"/>
-        </a:gradFill>
-      </a:fillStyleLst>
-      <a:lnStyleLst>
-        <a:ln w="9525" cap="flat" cmpd="sng" algn="ctr">
-          <a:solidFill>
-            <a:schemeClr val="phClr">
-              <a:shade val="95000"/>
-              <a:satMod val="105000"/>
-            </a:schemeClr>
-          </a:solidFill>
-          <a:prstDash val="solid"/>
-        </a:ln>
-        <a:ln w="25400" cap="flat" cmpd="sng" algn="ctr">
-          <a:solidFill>
-            <a:schemeClr val="phClr"/>
-          </a:solidFill>
-          <a:prstDash val="solid"/>
-        </a:ln>
-        <a:ln w="38100" cap="flat" cmpd="sng" algn="ctr">
-          <a:solidFill>
-            <a:schemeClr val="phClr"/>
-          </a:solidFill>
-          <a:prstDash val="solid"/>
-        </a:ln>
-      </a:lnStyleLst>
-      <a:effectStyleLst>
-        <a:effectStyle>
-          <a:effectLst>
-            <a:outerShdw blurRad="40000" dist="20000" dir="5400000" rotWithShape="0">
-              <a:srgbClr val="000000">
-                <a:alpha val="38000"/>
-              </a:srgbClr>
-            </a:outerShdw>
-          </a:effectLst>
-        </a:effectStyle>
-        <a:effectStyle>
-          <a:effectLst>
-            <a:outerShdw blurRad="40000" dist="23000" dir="5400000" rotWithShape="0">
-              <a:srgbClr val="000000">
-                <a:alpha val="35000"/>
-              </a:srgbClr>
-            </a:outerShdw>
-          </a:effectLst>
-        </a:effectStyle>
-        <a:effectStyle>
-          <a:effectLst>
-            <a:outerShdw blurRad="40000" dist="23000" dir="5400000" rotWithShape="0">
-              <a:srgbClr val="000000">
-                <a:alpha val="35000"/>
-              </a:srgbClr>
-            </a:outerShdw>
-          </a:effectLst>
-          <a:scene3d>
-            <a:camera prst="orthographicFront">
-              <a:rot lat="0" lon="0" rev="0"/>
-            </a:camera>
-            <a:lightRig rig="threePt" dir="t">
-              <a:rot lat="0" lon="0" rev="1200000"/>
-            </a:lightRig>
-          </a:scene3d>
-          <a:sp3d>
-            <a:bevelT w="63500" h="25400"/>
-          </a:sp3d>
-        </a:effectStyle>
-      </a:effectStyleLst>
-      <a:bgFillStyleLst>
-        <a:solidFill>
-          <a:schemeClr val="phClr"/>
-        </a:solidFill>
-        <a:gradFill rotWithShape="1">
-          <a:gsLst>
-            <a:gs pos="0">
-              <a:schemeClr val="phClr">
-                <a:tint val="40000"/>
-                <a:satMod val="350000"/>
-              </a:schemeClr>
-            </a:gs>
-            <a:gs pos="40000">
-              <a:schemeClr val="phClr">
-                <a:tint val="45000"/>
-                <a:shade val="99000"/>
-                <a:satMod val="350000"/>
-              </a:schemeClr>
-            </a:gs>
-            <a:gs pos="100000">
-              <a:schemeClr val="phClr">
-                <a:shade val="20000"/>
-                <a:satMod val="255000"/>
-              </a:schemeClr>
-            </a:gs>
-          </a:gsLst>
-          <a:path path="circle">
-            <a:fillToRect l="50000" t="-80000" r="50000" b="180000"/>
-          </a:path>
-        </a:gradFill>
-        <a:gradFill rotWithShape="1">
-          <a:gsLst>
-            <a:gs pos="0">
-              <a:schemeClr val="phClr">
-                <a:tint val="80000"/>
-                <a:satMod val="300000"/>
-              </a:schemeClr>
-            </a:gs>
-            <a:gs pos="100000">
-              <a:schemeClr val="phClr">
-                <a:shade val="30000"/>
-                <a:satMod val="200000"/>
-              </a:schemeClr>
-            </a:gs>
-          </a:gsLst>
-          <a:path path="circle">
-            <a:fillToRect l="50000" t="50000" r="50000" b="50000"/>
-          </a:path>
-        </a:gradFill>
-      </a:bgFillStyleLst>
-    </a:fmtScheme>
-  </a:themeElements>
-</a:theme>
 </file>